--- a/PROJET SMART-patate (1).pptx
+++ b/PROJET SMART-patate (1).pptx
@@ -5684,11 +5684,19 @@
             <p:ph type="ctrTitle"/>
           </p:nvPr>
         </p:nvSpPr>
-        <p:spPr/>
+        <p:spPr>
+          <a:xfrm>
+            <a:off x="1751012" y="609601"/>
+            <a:ext cx="8676222" cy="2565861"/>
+          </a:xfrm>
+        </p:spPr>
         <p:txBody>
           <a:bodyPr/>
           <a:lstStyle/>
           <a:p>
+            <a:br>
+              <a:rPr lang="fr-FR" dirty="0"/>
+            </a:br>
             <a:r>
               <a:rPr lang="fr-FR" dirty="0"/>
               <a:t>PROJET SMART-patate</a:t>
@@ -6646,47 +6654,6 @@
           </a:prstGeom>
         </p:spPr>
       </p:pic>
-      <p:pic>
-        <p:nvPicPr>
-          <p:cNvPr id="1030" name="Picture 6" descr="Image"/>
-          <p:cNvPicPr>
-            <a:picLocks noChangeAspect="1" noChangeArrowheads="1"/>
-          </p:cNvPicPr>
-          <p:nvPr/>
-        </p:nvPicPr>
-        <p:blipFill>
-          <a:blip r:embed="rId3">
-            <a:extLst>
-              <a:ext uri="{28A0092B-C50C-407E-A947-70E740481C1C}">
-                <a14:useLocalDpi xmlns:a14="http://schemas.microsoft.com/office/drawing/2010/main" val="0"/>
-              </a:ext>
-            </a:extLst>
-          </a:blip>
-          <a:srcRect/>
-          <a:stretch>
-            <a:fillRect/>
-          </a:stretch>
-        </p:blipFill>
-        <p:spPr bwMode="auto">
-          <a:xfrm>
-            <a:off x="4034017" y="3786981"/>
-            <a:ext cx="4708390" cy="2453599"/>
-          </a:xfrm>
-          <a:prstGeom prst="rect">
-            <a:avLst/>
-          </a:prstGeom>
-          <a:noFill/>
-          <a:extLst>
-            <a:ext uri="{909E8E84-426E-40DD-AFC4-6F175D3DCCD1}">
-              <a14:hiddenFill xmlns:a14="http://schemas.microsoft.com/office/drawing/2010/main">
-                <a:solidFill>
-                  <a:srgbClr val="FFFFFF"/>
-                </a:solidFill>
-              </a14:hiddenFill>
-            </a:ext>
-          </a:extLst>
-        </p:spPr>
-      </p:pic>
       <p:sp>
         <p:nvSpPr>
           <p:cNvPr id="9" name="AutoShape 5" descr="Image"/>
@@ -6735,7 +6702,7 @@
           <p:nvPr/>
         </p:nvPicPr>
         <p:blipFill>
-          <a:blip r:embed="rId4"/>
+          <a:blip r:embed="rId3"/>
           <a:stretch>
             <a:fillRect/>
           </a:stretch>
@@ -6752,22 +6719,22 @@
       </p:pic>
       <p:pic>
         <p:nvPicPr>
-          <p:cNvPr id="3" name="Image 2"/>
+          <p:cNvPr id="6" name="Image 5"/>
           <p:cNvPicPr>
             <a:picLocks noChangeAspect="1"/>
           </p:cNvPicPr>
           <p:nvPr/>
         </p:nvPicPr>
         <p:blipFill>
-          <a:blip r:embed="rId5"/>
+          <a:blip r:embed="rId4"/>
           <a:stretch>
             <a:fillRect/>
           </a:stretch>
         </p:blipFill>
         <p:spPr>
           <a:xfrm>
-            <a:off x="1141412" y="2202800"/>
-            <a:ext cx="1799352" cy="4052595"/>
+            <a:off x="626918" y="2153818"/>
+            <a:ext cx="2143912" cy="4150562"/>
           </a:xfrm>
           <a:prstGeom prst="rect">
             <a:avLst/>
@@ -6819,6 +6786,7 @@
           <a:bodyPr/>
           <a:lstStyle/>
           <a:p>
+            <a:pPr algn="ctr"/>
             <a:r>
               <a:rPr lang="fr-FR" dirty="0"/>
               <a:t>Bilan du projet </a:t>
